--- a/eventBetter.pptx
+++ b/eventBetter.pptx
@@ -8931,7 +8931,7 @@
         </p:nvSpPr>
         <p:spPr>
           <a:xfrm>
-            <a:off x="1073930" y="1249503"/>
+            <a:off x="1073930" y="1991233"/>
             <a:ext cx="7766936" cy="1646302"/>
           </a:xfrm>
         </p:spPr>
@@ -8941,7 +8941,7 @@
           <a:p>
             <a:r>
               <a:rPr lang="en-US" dirty="0"/>
-              <a:t>Smile! You are on Robot Overlord TV!</a:t>
+              <a:t>Use IoT, the cloud, and some Angular to make your next event awesome!!!</a:t>
             </a:r>
           </a:p>
         </p:txBody>
@@ -8964,7 +8964,7 @@
         </p:nvSpPr>
         <p:spPr>
           <a:xfrm>
-            <a:off x="1073930" y="3152274"/>
+            <a:off x="1073930" y="3529356"/>
             <a:ext cx="7766936" cy="2674821"/>
           </a:xfrm>
         </p:spPr>
@@ -10419,7 +10419,7 @@
           <a:p>
             <a:r>
               <a:rPr lang="en-US" dirty="0"/>
-              <a:t>Why I code…</a:t>
+              <a:t>That’s it …</a:t>
             </a:r>
           </a:p>
         </p:txBody>
